--- a/Paper/fig/SystemArchitecture.pptx
+++ b/Paper/fig/SystemArchitecture.pptx
@@ -3568,7 +3568,11 @@
             <a:pPr algn="ctr"/>
             <a:r>
               <a:rPr lang="en-US" sz="2800" dirty="0" smtClean="0"/>
-              <a:t> Feature Extraction</a:t>
+              <a:t> Feature </a:t>
+            </a:r>
+            <a:r>
+              <a:rPr lang="en-US" sz="2800" dirty="0" smtClean="0"/>
+              <a:t> Extraction</a:t>
             </a:r>
             <a:endParaRPr lang="en-US" sz="2800" dirty="0"/>
           </a:p>
@@ -3582,8 +3586,8 @@
         </p:nvSpPr>
         <p:spPr>
           <a:xfrm>
-            <a:off x="4644237" y="3067815"/>
-            <a:ext cx="2889480" cy="939081"/>
+            <a:off x="4716473" y="3067815"/>
+            <a:ext cx="2817243" cy="939081"/>
           </a:xfrm>
           <a:prstGeom prst="rect">
             <a:avLst/>
@@ -3624,8 +3628,8 @@
         </p:nvSpPr>
         <p:spPr>
           <a:xfrm>
-            <a:off x="4644236" y="1984260"/>
-            <a:ext cx="2864671" cy="939081"/>
+            <a:off x="4716474" y="1984260"/>
+            <a:ext cx="2792433" cy="939081"/>
           </a:xfrm>
           <a:prstGeom prst="rect">
             <a:avLst/>
@@ -3667,7 +3671,7 @@
         <p:spPr>
           <a:xfrm>
             <a:off x="1899231" y="1984259"/>
-            <a:ext cx="2600532" cy="939081"/>
+            <a:ext cx="2528295" cy="2022637"/>
           </a:xfrm>
           <a:prstGeom prst="rect">
             <a:avLst/>
@@ -3708,7 +3712,7 @@
         </p:nvSpPr>
         <p:spPr>
           <a:xfrm>
-            <a:off x="7587213" y="3749993"/>
+            <a:off x="7587213" y="3934659"/>
             <a:ext cx="596637" cy="369332"/>
           </a:xfrm>
           <a:prstGeom prst="rect">
@@ -3746,8 +3750,8 @@
         </p:nvSpPr>
         <p:spPr>
           <a:xfrm>
-            <a:off x="4572001" y="2995578"/>
-            <a:ext cx="3033954" cy="2167110"/>
+            <a:off x="4644237" y="2995578"/>
+            <a:ext cx="2942976" cy="2167110"/>
           </a:xfrm>
           <a:prstGeom prst="rect">
             <a:avLst/>
@@ -3789,14 +3793,14 @@
       </p:sp>
       <p:sp>
         <p:nvSpPr>
-          <p:cNvPr id="10" name="Rectangle 9"/>
+          <p:cNvPr id="11" name="Rectangle 10"/>
           <p:cNvSpPr/>
           <p:nvPr/>
         </p:nvSpPr>
         <p:spPr>
           <a:xfrm>
-            <a:off x="1899231" y="3062166"/>
-            <a:ext cx="2600532" cy="939081"/>
+            <a:off x="4716474" y="5234926"/>
+            <a:ext cx="2792433" cy="939081"/>
           </a:xfrm>
           <a:prstGeom prst="rect">
             <a:avLst/>
@@ -3822,10 +3826,194 @@
           <a:p>
             <a:pPr algn="ctr"/>
             <a:r>
-              <a:rPr lang="en-US" dirty="0" smtClean="0"/>
-              <a:t>Generating Training Sets</a:t>
-            </a:r>
-            <a:endParaRPr lang="en-US" dirty="0"/>
+              <a:rPr lang="en-US" sz="2000" dirty="0" smtClean="0"/>
+              <a:t>Raw Image</a:t>
+            </a:r>
+            <a:endParaRPr lang="en-US" sz="2000" dirty="0"/>
+          </a:p>
+        </p:txBody>
+      </p:sp>
+      <p:sp>
+        <p:nvSpPr>
+          <p:cNvPr id="12" name="Rectangle 11"/>
+          <p:cNvSpPr/>
+          <p:nvPr/>
+        </p:nvSpPr>
+        <p:spPr>
+          <a:xfrm>
+            <a:off x="1899231" y="5234925"/>
+            <a:ext cx="2528295" cy="939081"/>
+          </a:xfrm>
+          <a:prstGeom prst="rect">
+            <a:avLst/>
+          </a:prstGeom>
+        </p:spPr>
+        <p:style>
+          <a:lnRef idx="2">
+            <a:schemeClr val="dk1"/>
+          </a:lnRef>
+          <a:fillRef idx="1">
+            <a:schemeClr val="lt1"/>
+          </a:fillRef>
+          <a:effectRef idx="0">
+            <a:schemeClr val="dk1"/>
+          </a:effectRef>
+          <a:fontRef idx="minor">
+            <a:schemeClr val="dk1"/>
+          </a:fontRef>
+        </p:style>
+        <p:txBody>
+          <a:bodyPr rtlCol="0" anchor="ctr"/>
+          <a:lstStyle/>
+          <a:p>
+            <a:pPr algn="ctr"/>
+            <a:r>
+              <a:rPr lang="en-US" sz="2000" dirty="0" smtClean="0"/>
+              <a:t>Labeled Image</a:t>
+            </a:r>
+            <a:endParaRPr lang="en-US" sz="2000" dirty="0"/>
+          </a:p>
+        </p:txBody>
+      </p:sp>
+      <p:cxnSp>
+        <p:nvCxnSpPr>
+          <p:cNvPr id="3" name="Straight Connector 2"/>
+          <p:cNvCxnSpPr/>
+          <p:nvPr/>
+        </p:nvCxnSpPr>
+        <p:spPr>
+          <a:xfrm>
+            <a:off x="4572000" y="1261890"/>
+            <a:ext cx="0" cy="5056590"/>
+          </a:xfrm>
+          <a:prstGeom prst="line">
+            <a:avLst/>
+          </a:prstGeom>
+          <a:ln w="28575">
+            <a:solidFill>
+              <a:schemeClr val="bg1">
+                <a:lumMod val="50000"/>
+              </a:schemeClr>
+            </a:solidFill>
+            <a:prstDash val="dashDot"/>
+          </a:ln>
+        </p:spPr>
+        <p:style>
+          <a:lnRef idx="1">
+            <a:schemeClr val="accent1"/>
+          </a:lnRef>
+          <a:fillRef idx="0">
+            <a:schemeClr val="accent1"/>
+          </a:fillRef>
+          <a:effectRef idx="0">
+            <a:schemeClr val="accent1"/>
+          </a:effectRef>
+          <a:fontRef idx="minor">
+            <a:schemeClr val="tx1"/>
+          </a:fontRef>
+        </p:style>
+      </p:cxnSp>
+      <p:sp>
+        <p:nvSpPr>
+          <p:cNvPr id="13" name="Rectangle 12"/>
+          <p:cNvSpPr/>
+          <p:nvPr/>
+        </p:nvSpPr>
+        <p:spPr>
+          <a:xfrm>
+            <a:off x="4716472" y="1406364"/>
+            <a:ext cx="2817243" cy="369332"/>
+          </a:xfrm>
+          <a:prstGeom prst="rect">
+            <a:avLst/>
+          </a:prstGeom>
+        </p:spPr>
+        <p:style>
+          <a:lnRef idx="1">
+            <a:schemeClr val="dk1"/>
+          </a:lnRef>
+          <a:fillRef idx="3">
+            <a:schemeClr val="dk1"/>
+          </a:fillRef>
+          <a:effectRef idx="2">
+            <a:schemeClr val="dk1"/>
+          </a:effectRef>
+          <a:fontRef idx="minor">
+            <a:schemeClr val="lt1"/>
+          </a:fontRef>
+        </p:style>
+        <p:txBody>
+          <a:bodyPr wrap="square">
+            <a:spAutoFit/>
+          </a:bodyPr>
+          <a:lstStyle/>
+          <a:p>
+            <a:pPr algn="ctr"/>
+            <a:r>
+              <a:rPr lang="en-US" dirty="0" smtClean="0">
+                <a:solidFill>
+                  <a:schemeClr val="bg1"/>
+                </a:solidFill>
+              </a:rPr>
+              <a:t>End Users</a:t>
+            </a:r>
+            <a:endParaRPr lang="en-US" dirty="0">
+              <a:solidFill>
+                <a:schemeClr val="bg1"/>
+              </a:solidFill>
+            </a:endParaRPr>
+          </a:p>
+        </p:txBody>
+      </p:sp>
+      <p:sp>
+        <p:nvSpPr>
+          <p:cNvPr id="14" name="Rectangle 13"/>
+          <p:cNvSpPr/>
+          <p:nvPr/>
+        </p:nvSpPr>
+        <p:spPr>
+          <a:xfrm>
+            <a:off x="1899231" y="1406364"/>
+            <a:ext cx="2554100" cy="369332"/>
+          </a:xfrm>
+          <a:prstGeom prst="rect">
+            <a:avLst/>
+          </a:prstGeom>
+        </p:spPr>
+        <p:style>
+          <a:lnRef idx="1">
+            <a:schemeClr val="dk1"/>
+          </a:lnRef>
+          <a:fillRef idx="3">
+            <a:schemeClr val="dk1"/>
+          </a:fillRef>
+          <a:effectRef idx="2">
+            <a:schemeClr val="dk1"/>
+          </a:effectRef>
+          <a:fontRef idx="minor">
+            <a:schemeClr val="lt1"/>
+          </a:fontRef>
+        </p:style>
+        <p:txBody>
+          <a:bodyPr wrap="square">
+            <a:spAutoFit/>
+          </a:bodyPr>
+          <a:lstStyle/>
+          <a:p>
+            <a:pPr algn="ctr"/>
+            <a:r>
+              <a:rPr lang="en-US" dirty="0" smtClean="0">
+                <a:solidFill>
+                  <a:schemeClr val="bg1"/>
+                </a:solidFill>
+              </a:rPr>
+              <a:t>Developers</a:t>
+            </a:r>
+            <a:endParaRPr lang="en-US" dirty="0">
+              <a:solidFill>
+                <a:schemeClr val="bg1"/>
+              </a:solidFill>
+            </a:endParaRPr>
           </a:p>
         </p:txBody>
       </p:sp>

--- a/Paper/fig/SystemArchitecture.pptx
+++ b/Paper/fig/SystemArchitecture.pptx
@@ -3540,8 +3540,8 @@
         </p:nvSpPr>
         <p:spPr>
           <a:xfrm>
-            <a:off x="1899231" y="4119325"/>
-            <a:ext cx="5634486" cy="971126"/>
+            <a:off x="1899231" y="2963533"/>
+            <a:ext cx="5609676" cy="609941"/>
           </a:xfrm>
           <a:prstGeom prst="rect">
             <a:avLst/>
@@ -3568,11 +3568,7 @@
             <a:pPr algn="ctr"/>
             <a:r>
               <a:rPr lang="en-US" sz="2800" dirty="0" smtClean="0"/>
-              <a:t> Feature </a:t>
-            </a:r>
-            <a:r>
-              <a:rPr lang="en-US" sz="2800" dirty="0" smtClean="0"/>
-              <a:t> Extraction</a:t>
+              <a:t> Feature  Extraction</a:t>
             </a:r>
             <a:endParaRPr lang="en-US" sz="2800" dirty="0"/>
           </a:p>
@@ -3586,8 +3582,8 @@
         </p:nvSpPr>
         <p:spPr>
           <a:xfrm>
-            <a:off x="4716473" y="3067815"/>
-            <a:ext cx="2817243" cy="939081"/>
+            <a:off x="4716474" y="1912023"/>
+            <a:ext cx="2792434" cy="939081"/>
           </a:xfrm>
           <a:prstGeom prst="rect">
             <a:avLst/>
@@ -3628,7 +3624,7 @@
         </p:nvSpPr>
         <p:spPr>
           <a:xfrm>
-            <a:off x="4716474" y="1984260"/>
+            <a:off x="4716474" y="828468"/>
             <a:ext cx="2792433" cy="939081"/>
           </a:xfrm>
           <a:prstGeom prst="rect">
@@ -3670,7 +3666,7 @@
         </p:nvSpPr>
         <p:spPr>
           <a:xfrm>
-            <a:off x="1899231" y="1984259"/>
+            <a:off x="1899231" y="828467"/>
             <a:ext cx="2528295" cy="2022637"/>
           </a:xfrm>
           <a:prstGeom prst="rect">
@@ -3712,7 +3708,7 @@
         </p:nvSpPr>
         <p:spPr>
           <a:xfrm>
-            <a:off x="7587213" y="3934659"/>
+            <a:off x="7587213" y="2698483"/>
             <a:ext cx="596637" cy="369332"/>
           </a:xfrm>
           <a:prstGeom prst="rect">
@@ -3744,14 +3740,366 @@
       </p:sp>
       <p:sp>
         <p:nvSpPr>
+          <p:cNvPr id="11" name="Rectangle 10"/>
+          <p:cNvSpPr/>
+          <p:nvPr/>
+        </p:nvSpPr>
+        <p:spPr>
+          <a:xfrm>
+            <a:off x="4716474" y="3717947"/>
+            <a:ext cx="2792433" cy="794608"/>
+          </a:xfrm>
+          <a:prstGeom prst="rect">
+            <a:avLst/>
+          </a:prstGeom>
+        </p:spPr>
+        <p:style>
+          <a:lnRef idx="2">
+            <a:schemeClr val="dk1"/>
+          </a:lnRef>
+          <a:fillRef idx="1">
+            <a:schemeClr val="lt1"/>
+          </a:fillRef>
+          <a:effectRef idx="0">
+            <a:schemeClr val="dk1"/>
+          </a:effectRef>
+          <a:fontRef idx="minor">
+            <a:schemeClr val="dk1"/>
+          </a:fontRef>
+        </p:style>
+        <p:txBody>
+          <a:bodyPr rtlCol="0" anchor="ctr"/>
+          <a:lstStyle/>
+          <a:p>
+            <a:pPr algn="ctr"/>
+            <a:r>
+              <a:rPr lang="en-US" sz="2000" dirty="0" smtClean="0"/>
+              <a:t>Raw Image</a:t>
+            </a:r>
+            <a:endParaRPr lang="en-US" sz="2000" dirty="0"/>
+          </a:p>
+        </p:txBody>
+      </p:sp>
+      <p:sp>
+        <p:nvSpPr>
+          <p:cNvPr id="12" name="Rectangle 11"/>
+          <p:cNvSpPr/>
+          <p:nvPr/>
+        </p:nvSpPr>
+        <p:spPr>
+          <a:xfrm>
+            <a:off x="1899231" y="3717946"/>
+            <a:ext cx="2528295" cy="794608"/>
+          </a:xfrm>
+          <a:prstGeom prst="rect">
+            <a:avLst/>
+          </a:prstGeom>
+        </p:spPr>
+        <p:style>
+          <a:lnRef idx="2">
+            <a:schemeClr val="dk1"/>
+          </a:lnRef>
+          <a:fillRef idx="1">
+            <a:schemeClr val="lt1"/>
+          </a:fillRef>
+          <a:effectRef idx="0">
+            <a:schemeClr val="dk1"/>
+          </a:effectRef>
+          <a:fontRef idx="minor">
+            <a:schemeClr val="dk1"/>
+          </a:fontRef>
+        </p:style>
+        <p:txBody>
+          <a:bodyPr rtlCol="0" anchor="ctr"/>
+          <a:lstStyle/>
+          <a:p>
+            <a:pPr algn="ctr"/>
+            <a:r>
+              <a:rPr lang="en-US" sz="2000" dirty="0" smtClean="0"/>
+              <a:t>Labeled Image</a:t>
+            </a:r>
+            <a:endParaRPr lang="en-US" sz="2000" dirty="0"/>
+          </a:p>
+        </p:txBody>
+      </p:sp>
+      <p:sp>
+        <p:nvSpPr>
+          <p:cNvPr id="13" name="Rectangle 12"/>
+          <p:cNvSpPr/>
+          <p:nvPr/>
+        </p:nvSpPr>
+        <p:spPr>
+          <a:xfrm>
+            <a:off x="4716472" y="250572"/>
+            <a:ext cx="2817243" cy="369332"/>
+          </a:xfrm>
+          <a:prstGeom prst="rect">
+            <a:avLst/>
+          </a:prstGeom>
+        </p:spPr>
+        <p:style>
+          <a:lnRef idx="1">
+            <a:schemeClr val="dk1"/>
+          </a:lnRef>
+          <a:fillRef idx="3">
+            <a:schemeClr val="dk1"/>
+          </a:fillRef>
+          <a:effectRef idx="2">
+            <a:schemeClr val="dk1"/>
+          </a:effectRef>
+          <a:fontRef idx="minor">
+            <a:schemeClr val="lt1"/>
+          </a:fontRef>
+        </p:style>
+        <p:txBody>
+          <a:bodyPr wrap="square">
+            <a:spAutoFit/>
+          </a:bodyPr>
+          <a:lstStyle/>
+          <a:p>
+            <a:pPr algn="ctr"/>
+            <a:r>
+              <a:rPr lang="en-US" dirty="0" smtClean="0">
+                <a:solidFill>
+                  <a:schemeClr val="bg1"/>
+                </a:solidFill>
+              </a:rPr>
+              <a:t>End Users</a:t>
+            </a:r>
+            <a:endParaRPr lang="en-US" dirty="0">
+              <a:solidFill>
+                <a:schemeClr val="bg1"/>
+              </a:solidFill>
+            </a:endParaRPr>
+          </a:p>
+        </p:txBody>
+      </p:sp>
+      <p:sp>
+        <p:nvSpPr>
+          <p:cNvPr id="14" name="Rectangle 13"/>
+          <p:cNvSpPr/>
+          <p:nvPr/>
+        </p:nvSpPr>
+        <p:spPr>
+          <a:xfrm>
+            <a:off x="1899231" y="250572"/>
+            <a:ext cx="2554100" cy="369332"/>
+          </a:xfrm>
+          <a:prstGeom prst="rect">
+            <a:avLst/>
+          </a:prstGeom>
+        </p:spPr>
+        <p:style>
+          <a:lnRef idx="1">
+            <a:schemeClr val="dk1"/>
+          </a:lnRef>
+          <a:fillRef idx="3">
+            <a:schemeClr val="dk1"/>
+          </a:fillRef>
+          <a:effectRef idx="2">
+            <a:schemeClr val="dk1"/>
+          </a:effectRef>
+          <a:fontRef idx="minor">
+            <a:schemeClr val="lt1"/>
+          </a:fontRef>
+        </p:style>
+        <p:txBody>
+          <a:bodyPr wrap="square">
+            <a:spAutoFit/>
+          </a:bodyPr>
+          <a:lstStyle/>
+          <a:p>
+            <a:pPr algn="ctr"/>
+            <a:r>
+              <a:rPr lang="en-US" dirty="0" smtClean="0">
+                <a:solidFill>
+                  <a:schemeClr val="bg1"/>
+                </a:solidFill>
+              </a:rPr>
+              <a:t>Developers</a:t>
+            </a:r>
+            <a:endParaRPr lang="en-US" dirty="0">
+              <a:solidFill>
+                <a:schemeClr val="bg1"/>
+              </a:solidFill>
+            </a:endParaRPr>
+          </a:p>
+        </p:txBody>
+      </p:sp>
+      <p:sp>
+        <p:nvSpPr>
+          <p:cNvPr id="15" name="Rectangle 14"/>
+          <p:cNvSpPr/>
+          <p:nvPr/>
+        </p:nvSpPr>
+        <p:spPr>
+          <a:xfrm>
+            <a:off x="1899231" y="4584792"/>
+            <a:ext cx="5609675" cy="609941"/>
+          </a:xfrm>
+          <a:prstGeom prst="rect">
+            <a:avLst/>
+          </a:prstGeom>
+        </p:spPr>
+        <p:style>
+          <a:lnRef idx="2">
+            <a:schemeClr val="dk1"/>
+          </a:lnRef>
+          <a:fillRef idx="1">
+            <a:schemeClr val="lt1"/>
+          </a:fillRef>
+          <a:effectRef idx="0">
+            <a:schemeClr val="dk1"/>
+          </a:effectRef>
+          <a:fontRef idx="minor">
+            <a:schemeClr val="dk1"/>
+          </a:fontRef>
+        </p:style>
+        <p:txBody>
+          <a:bodyPr rtlCol="0" anchor="ctr"/>
+          <a:lstStyle/>
+          <a:p>
+            <a:pPr algn="ctr"/>
+            <a:r>
+              <a:rPr lang="en-US" sz="2800" dirty="0" smtClean="0"/>
+              <a:t>Kinect   Sensor</a:t>
+            </a:r>
+            <a:endParaRPr lang="en-US" sz="2800" dirty="0"/>
+          </a:p>
+        </p:txBody>
+      </p:sp>
+      <p:sp>
+        <p:nvSpPr>
+          <p:cNvPr id="16" name="Rectangle 15"/>
+          <p:cNvSpPr/>
+          <p:nvPr/>
+        </p:nvSpPr>
+        <p:spPr>
+          <a:xfrm>
+            <a:off x="4716473" y="5307161"/>
+            <a:ext cx="2792433" cy="794608"/>
+          </a:xfrm>
+          <a:prstGeom prst="rect">
+            <a:avLst/>
+          </a:prstGeom>
+        </p:spPr>
+        <p:style>
+          <a:lnRef idx="2">
+            <a:schemeClr val="dk1"/>
+          </a:lnRef>
+          <a:fillRef idx="1">
+            <a:schemeClr val="lt1"/>
+          </a:fillRef>
+          <a:effectRef idx="0">
+            <a:schemeClr val="dk1"/>
+          </a:effectRef>
+          <a:fontRef idx="minor">
+            <a:schemeClr val="dk1"/>
+          </a:fontRef>
+        </p:style>
+        <p:txBody>
+          <a:bodyPr rtlCol="0" anchor="ctr"/>
+          <a:lstStyle/>
+          <a:p>
+            <a:pPr algn="ctr"/>
+            <a:r>
+              <a:rPr lang="en-US" sz="2000" dirty="0" smtClean="0"/>
+              <a:t>Just Hands</a:t>
+            </a:r>
+            <a:endParaRPr lang="en-US" sz="2000" dirty="0"/>
+          </a:p>
+        </p:txBody>
+      </p:sp>
+      <p:sp>
+        <p:nvSpPr>
+          <p:cNvPr id="17" name="Rectangle 16"/>
+          <p:cNvSpPr/>
+          <p:nvPr/>
+        </p:nvSpPr>
+        <p:spPr>
+          <a:xfrm>
+            <a:off x="1899230" y="5307160"/>
+            <a:ext cx="2528295" cy="794608"/>
+          </a:xfrm>
+          <a:prstGeom prst="rect">
+            <a:avLst/>
+          </a:prstGeom>
+        </p:spPr>
+        <p:style>
+          <a:lnRef idx="2">
+            <a:schemeClr val="dk1"/>
+          </a:lnRef>
+          <a:fillRef idx="1">
+            <a:schemeClr val="lt1"/>
+          </a:fillRef>
+          <a:effectRef idx="0">
+            <a:schemeClr val="dk1"/>
+          </a:effectRef>
+          <a:fontRef idx="minor">
+            <a:schemeClr val="dk1"/>
+          </a:fontRef>
+        </p:style>
+        <p:txBody>
+          <a:bodyPr rtlCol="0" anchor="ctr"/>
+          <a:lstStyle/>
+          <a:p>
+            <a:pPr algn="ctr"/>
+            <a:r>
+              <a:rPr lang="en-US" sz="2000" dirty="0" smtClean="0"/>
+              <a:t>Color Gloves</a:t>
+            </a:r>
+            <a:endParaRPr lang="en-US" sz="2000" dirty="0"/>
+          </a:p>
+        </p:txBody>
+      </p:sp>
+      <p:cxnSp>
+        <p:nvCxnSpPr>
+          <p:cNvPr id="3" name="Straight Connector 2"/>
+          <p:cNvCxnSpPr/>
+          <p:nvPr/>
+        </p:nvCxnSpPr>
+        <p:spPr>
+          <a:xfrm>
+            <a:off x="4572000" y="106098"/>
+            <a:ext cx="0" cy="6067908"/>
+          </a:xfrm>
+          <a:prstGeom prst="line">
+            <a:avLst/>
+          </a:prstGeom>
+          <a:ln w="28575">
+            <a:solidFill>
+              <a:schemeClr val="bg1">
+                <a:lumMod val="50000"/>
+              </a:schemeClr>
+            </a:solidFill>
+            <a:prstDash val="dashDot"/>
+          </a:ln>
+        </p:spPr>
+        <p:style>
+          <a:lnRef idx="1">
+            <a:schemeClr val="accent1"/>
+          </a:lnRef>
+          <a:fillRef idx="0">
+            <a:schemeClr val="accent1"/>
+          </a:fillRef>
+          <a:effectRef idx="0">
+            <a:schemeClr val="accent1"/>
+          </a:effectRef>
+          <a:fontRef idx="minor">
+            <a:schemeClr val="tx1"/>
+          </a:fontRef>
+        </p:style>
+      </p:cxnSp>
+      <p:sp>
+        <p:nvSpPr>
           <p:cNvPr id="8" name="Rectangle 7"/>
           <p:cNvSpPr/>
           <p:nvPr/>
         </p:nvSpPr>
         <p:spPr>
           <a:xfrm>
-            <a:off x="4644237" y="2995578"/>
-            <a:ext cx="2942976" cy="2167110"/>
+            <a:off x="4644237" y="1839786"/>
+            <a:ext cx="2942976" cy="1805926"/>
           </a:xfrm>
           <a:prstGeom prst="rect">
             <a:avLst/>
@@ -3788,232 +4136,6 @@
           <a:p>
             <a:pPr algn="ctr"/>
             <a:endParaRPr lang="en-US" sz="2000" dirty="0"/>
-          </a:p>
-        </p:txBody>
-      </p:sp>
-      <p:sp>
-        <p:nvSpPr>
-          <p:cNvPr id="11" name="Rectangle 10"/>
-          <p:cNvSpPr/>
-          <p:nvPr/>
-        </p:nvSpPr>
-        <p:spPr>
-          <a:xfrm>
-            <a:off x="4716474" y="5234926"/>
-            <a:ext cx="2792433" cy="939081"/>
-          </a:xfrm>
-          <a:prstGeom prst="rect">
-            <a:avLst/>
-          </a:prstGeom>
-        </p:spPr>
-        <p:style>
-          <a:lnRef idx="2">
-            <a:schemeClr val="dk1"/>
-          </a:lnRef>
-          <a:fillRef idx="1">
-            <a:schemeClr val="lt1"/>
-          </a:fillRef>
-          <a:effectRef idx="0">
-            <a:schemeClr val="dk1"/>
-          </a:effectRef>
-          <a:fontRef idx="minor">
-            <a:schemeClr val="dk1"/>
-          </a:fontRef>
-        </p:style>
-        <p:txBody>
-          <a:bodyPr rtlCol="0" anchor="ctr"/>
-          <a:lstStyle/>
-          <a:p>
-            <a:pPr algn="ctr"/>
-            <a:r>
-              <a:rPr lang="en-US" sz="2000" dirty="0" smtClean="0"/>
-              <a:t>Raw Image</a:t>
-            </a:r>
-            <a:endParaRPr lang="en-US" sz="2000" dirty="0"/>
-          </a:p>
-        </p:txBody>
-      </p:sp>
-      <p:sp>
-        <p:nvSpPr>
-          <p:cNvPr id="12" name="Rectangle 11"/>
-          <p:cNvSpPr/>
-          <p:nvPr/>
-        </p:nvSpPr>
-        <p:spPr>
-          <a:xfrm>
-            <a:off x="1899231" y="5234925"/>
-            <a:ext cx="2528295" cy="939081"/>
-          </a:xfrm>
-          <a:prstGeom prst="rect">
-            <a:avLst/>
-          </a:prstGeom>
-        </p:spPr>
-        <p:style>
-          <a:lnRef idx="2">
-            <a:schemeClr val="dk1"/>
-          </a:lnRef>
-          <a:fillRef idx="1">
-            <a:schemeClr val="lt1"/>
-          </a:fillRef>
-          <a:effectRef idx="0">
-            <a:schemeClr val="dk1"/>
-          </a:effectRef>
-          <a:fontRef idx="minor">
-            <a:schemeClr val="dk1"/>
-          </a:fontRef>
-        </p:style>
-        <p:txBody>
-          <a:bodyPr rtlCol="0" anchor="ctr"/>
-          <a:lstStyle/>
-          <a:p>
-            <a:pPr algn="ctr"/>
-            <a:r>
-              <a:rPr lang="en-US" sz="2000" dirty="0" smtClean="0"/>
-              <a:t>Labeled Image</a:t>
-            </a:r>
-            <a:endParaRPr lang="en-US" sz="2000" dirty="0"/>
-          </a:p>
-        </p:txBody>
-      </p:sp>
-      <p:cxnSp>
-        <p:nvCxnSpPr>
-          <p:cNvPr id="3" name="Straight Connector 2"/>
-          <p:cNvCxnSpPr/>
-          <p:nvPr/>
-        </p:nvCxnSpPr>
-        <p:spPr>
-          <a:xfrm>
-            <a:off x="4572000" y="1261890"/>
-            <a:ext cx="0" cy="5056590"/>
-          </a:xfrm>
-          <a:prstGeom prst="line">
-            <a:avLst/>
-          </a:prstGeom>
-          <a:ln w="28575">
-            <a:solidFill>
-              <a:schemeClr val="bg1">
-                <a:lumMod val="50000"/>
-              </a:schemeClr>
-            </a:solidFill>
-            <a:prstDash val="dashDot"/>
-          </a:ln>
-        </p:spPr>
-        <p:style>
-          <a:lnRef idx="1">
-            <a:schemeClr val="accent1"/>
-          </a:lnRef>
-          <a:fillRef idx="0">
-            <a:schemeClr val="accent1"/>
-          </a:fillRef>
-          <a:effectRef idx="0">
-            <a:schemeClr val="accent1"/>
-          </a:effectRef>
-          <a:fontRef idx="minor">
-            <a:schemeClr val="tx1"/>
-          </a:fontRef>
-        </p:style>
-      </p:cxnSp>
-      <p:sp>
-        <p:nvSpPr>
-          <p:cNvPr id="13" name="Rectangle 12"/>
-          <p:cNvSpPr/>
-          <p:nvPr/>
-        </p:nvSpPr>
-        <p:spPr>
-          <a:xfrm>
-            <a:off x="4716472" y="1406364"/>
-            <a:ext cx="2817243" cy="369332"/>
-          </a:xfrm>
-          <a:prstGeom prst="rect">
-            <a:avLst/>
-          </a:prstGeom>
-        </p:spPr>
-        <p:style>
-          <a:lnRef idx="1">
-            <a:schemeClr val="dk1"/>
-          </a:lnRef>
-          <a:fillRef idx="3">
-            <a:schemeClr val="dk1"/>
-          </a:fillRef>
-          <a:effectRef idx="2">
-            <a:schemeClr val="dk1"/>
-          </a:effectRef>
-          <a:fontRef idx="minor">
-            <a:schemeClr val="lt1"/>
-          </a:fontRef>
-        </p:style>
-        <p:txBody>
-          <a:bodyPr wrap="square">
-            <a:spAutoFit/>
-          </a:bodyPr>
-          <a:lstStyle/>
-          <a:p>
-            <a:pPr algn="ctr"/>
-            <a:r>
-              <a:rPr lang="en-US" dirty="0" smtClean="0">
-                <a:solidFill>
-                  <a:schemeClr val="bg1"/>
-                </a:solidFill>
-              </a:rPr>
-              <a:t>End Users</a:t>
-            </a:r>
-            <a:endParaRPr lang="en-US" dirty="0">
-              <a:solidFill>
-                <a:schemeClr val="bg1"/>
-              </a:solidFill>
-            </a:endParaRPr>
-          </a:p>
-        </p:txBody>
-      </p:sp>
-      <p:sp>
-        <p:nvSpPr>
-          <p:cNvPr id="14" name="Rectangle 13"/>
-          <p:cNvSpPr/>
-          <p:nvPr/>
-        </p:nvSpPr>
-        <p:spPr>
-          <a:xfrm>
-            <a:off x="1899231" y="1406364"/>
-            <a:ext cx="2554100" cy="369332"/>
-          </a:xfrm>
-          <a:prstGeom prst="rect">
-            <a:avLst/>
-          </a:prstGeom>
-        </p:spPr>
-        <p:style>
-          <a:lnRef idx="1">
-            <a:schemeClr val="dk1"/>
-          </a:lnRef>
-          <a:fillRef idx="3">
-            <a:schemeClr val="dk1"/>
-          </a:fillRef>
-          <a:effectRef idx="2">
-            <a:schemeClr val="dk1"/>
-          </a:effectRef>
-          <a:fontRef idx="minor">
-            <a:schemeClr val="lt1"/>
-          </a:fontRef>
-        </p:style>
-        <p:txBody>
-          <a:bodyPr wrap="square">
-            <a:spAutoFit/>
-          </a:bodyPr>
-          <a:lstStyle/>
-          <a:p>
-            <a:pPr algn="ctr"/>
-            <a:r>
-              <a:rPr lang="en-US" dirty="0" smtClean="0">
-                <a:solidFill>
-                  <a:schemeClr val="bg1"/>
-                </a:solidFill>
-              </a:rPr>
-              <a:t>Developers</a:t>
-            </a:r>
-            <a:endParaRPr lang="en-US" dirty="0">
-              <a:solidFill>
-                <a:schemeClr val="bg1"/>
-              </a:solidFill>
-            </a:endParaRPr>
           </a:p>
         </p:txBody>
       </p:sp>
